--- a/COVID_Unemployment_Rate.pptx
+++ b/COVID_Unemployment_Rate.pptx
@@ -118,6 +118,11 @@
       </a:defRPr>
     </a:lvl9pPr>
   </p:defaultTextStyle>
+  <p:extLst>
+    <p:ext uri="{EFAFB233-063F-42B5-8137-9DF3F51BA10A}">
+      <p15:sldGuideLst xmlns:p15="http://schemas.microsoft.com/office/powerpoint/2012/main"/>
+    </p:ext>
+  </p:extLst>
 </p:presentation>
 </file>
 
@@ -5351,7 +5356,31 @@
                 </a:solidFill>
                 <a:latin typeface="Century Schoolbook" panose="02040604050505020304" pitchFamily="18" charset="0"/>
               </a:rPr>
-              <a:t>Unemployment rate hit all time high (over 16%) </a:t>
+              <a:t>Unemployment rate hit all time </a:t>
+            </a:r>
+            <a:r>
+              <a:rPr lang="en-US">
+                <a:solidFill>
+                  <a:schemeClr val="accent6">
+                    <a:lumMod val="40000"/>
+                    <a:lumOff val="60000"/>
+                  </a:schemeClr>
+                </a:solidFill>
+                <a:latin typeface="Century Schoolbook" panose="02040604050505020304" pitchFamily="18" charset="0"/>
+              </a:rPr>
+              <a:t>high (14.8</a:t>
+            </a:r>
+            <a:r>
+              <a:rPr lang="en-US" dirty="0">
+                <a:solidFill>
+                  <a:schemeClr val="accent6">
+                    <a:lumMod val="40000"/>
+                    <a:lumOff val="60000"/>
+                  </a:schemeClr>
+                </a:solidFill>
+                <a:latin typeface="Century Schoolbook" panose="02040604050505020304" pitchFamily="18" charset="0"/>
+              </a:rPr>
+              <a:t>%) </a:t>
             </a:r>
           </a:p>
           <a:p>
@@ -6789,7 +6818,7 @@
                   <a:srgbClr val="130355"/>
                 </a:solidFill>
               </a:rPr>
-              <a:t>Hispanic/Latinx had most dramatic increase (NUMBER)</a:t>
+              <a:t>Hispanic/Latinx had most dramatic increase</a:t>
             </a:r>
           </a:p>
           <a:p>

--- a/COVID_Unemployment_Rate.pptx
+++ b/COVID_Unemployment_Rate.pptx
@@ -5356,31 +5356,7 @@
                 </a:solidFill>
                 <a:latin typeface="Century Schoolbook" panose="02040604050505020304" pitchFamily="18" charset="0"/>
               </a:rPr>
-              <a:t>Unemployment rate hit all time </a:t>
-            </a:r>
-            <a:r>
-              <a:rPr lang="en-US">
-                <a:solidFill>
-                  <a:schemeClr val="accent6">
-                    <a:lumMod val="40000"/>
-                    <a:lumOff val="60000"/>
-                  </a:schemeClr>
-                </a:solidFill>
-                <a:latin typeface="Century Schoolbook" panose="02040604050505020304" pitchFamily="18" charset="0"/>
-              </a:rPr>
-              <a:t>high (14.8</a:t>
-            </a:r>
-            <a:r>
-              <a:rPr lang="en-US" dirty="0">
-                <a:solidFill>
-                  <a:schemeClr val="accent6">
-                    <a:lumMod val="40000"/>
-                    <a:lumOff val="60000"/>
-                  </a:schemeClr>
-                </a:solidFill>
-                <a:latin typeface="Century Schoolbook" panose="02040604050505020304" pitchFamily="18" charset="0"/>
-              </a:rPr>
-              <a:t>%) </a:t>
+              <a:t>Unemployment rate hit all time high (14.8%) </a:t>
             </a:r>
           </a:p>
           <a:p>
@@ -6081,10 +6057,10 @@
       </p:grpSpPr>
       <p:grpSp>
         <p:nvGrpSpPr>
-          <p:cNvPr id="14" name="Group 13">
+          <p:cNvPr id="6" name="Group 5">
             <a:extLst>
               <a:ext uri="{FF2B5EF4-FFF2-40B4-BE49-F238E27FC236}">
-                <a16:creationId xmlns:a16="http://schemas.microsoft.com/office/drawing/2014/main" id="{ABB2BC62-F3BC-174A-BD91-E5C8DE52DBDC}"/>
+                <a16:creationId xmlns:a16="http://schemas.microsoft.com/office/drawing/2014/main" id="{309702C5-8818-C04D-8431-7DBF845EF948}"/>
               </a:ext>
             </a:extLst>
           </p:cNvPr>
@@ -6094,17 +6070,17 @@
         <p:grpSpPr>
           <a:xfrm>
             <a:off x="343236" y="548640"/>
-            <a:ext cx="11452524" cy="6261232"/>
+            <a:ext cx="11293592" cy="6261232"/>
             <a:chOff x="343236" y="548640"/>
-            <a:chExt cx="11452524" cy="6261232"/>
+            <a:chExt cx="11293592" cy="6261232"/>
           </a:xfrm>
         </p:grpSpPr>
         <p:pic>
           <p:nvPicPr>
-            <p:cNvPr id="4" name="Picture 3">
+            <p:cNvPr id="3" name="Picture 2">
               <a:extLst>
                 <a:ext uri="{FF2B5EF4-FFF2-40B4-BE49-F238E27FC236}">
-                  <a16:creationId xmlns:a16="http://schemas.microsoft.com/office/drawing/2014/main" id="{95E2B4F5-38D0-0746-9E3E-92F4E9FFD629}"/>
+                  <a16:creationId xmlns:a16="http://schemas.microsoft.com/office/drawing/2014/main" id="{E9A9C6F3-3799-0A4B-9208-70BEF8B8FC27}"/>
                 </a:ext>
               </a:extLst>
             </p:cNvPr>
@@ -6122,7 +6098,7 @@
           <p:spPr>
             <a:xfrm>
               <a:off x="457200" y="548640"/>
-              <a:ext cx="11338560" cy="5942498"/>
+              <a:ext cx="11179628" cy="5943600"/>
             </a:xfrm>
             <a:prstGeom prst="rect">
               <a:avLst/>
@@ -6132,13 +6108,6 @@
                 <a:srgbClr val="346640"/>
               </a:solidFill>
             </a:ln>
-            <a:effectLst>
-              <a:outerShdw blurRad="50800" dist="38100" dir="2700000" algn="tl" rotWithShape="0">
-                <a:prstClr val="black">
-                  <a:alpha val="40000"/>
-                </a:prstClr>
-              </a:outerShdw>
-            </a:effectLst>
           </p:spPr>
         </p:pic>
         <p:grpSp>
@@ -6256,6 +6225,58 @@
             </p:txBody>
           </p:sp>
         </p:grpSp>
+        <p:sp>
+          <p:nvSpPr>
+            <p:cNvPr id="5" name="Rectangle 4">
+              <a:extLst>
+                <a:ext uri="{FF2B5EF4-FFF2-40B4-BE49-F238E27FC236}">
+                  <a16:creationId xmlns:a16="http://schemas.microsoft.com/office/drawing/2014/main" id="{05844308-F1B3-A84A-92B1-FFBC3FD0B2B6}"/>
+                </a:ext>
+              </a:extLst>
+            </p:cNvPr>
+            <p:cNvSpPr/>
+            <p:nvPr/>
+          </p:nvSpPr>
+          <p:spPr>
+            <a:xfrm>
+              <a:off x="4009292" y="597878"/>
+              <a:ext cx="4448908" cy="211015"/>
+            </a:xfrm>
+            <a:prstGeom prst="rect">
+              <a:avLst/>
+            </a:prstGeom>
+            <a:solidFill>
+              <a:schemeClr val="tx1"/>
+            </a:solidFill>
+            <a:ln>
+              <a:noFill/>
+            </a:ln>
+          </p:spPr>
+          <p:style>
+            <a:lnRef idx="2">
+              <a:schemeClr val="accent1">
+                <a:shade val="50000"/>
+              </a:schemeClr>
+            </a:lnRef>
+            <a:fillRef idx="1">
+              <a:schemeClr val="accent1"/>
+            </a:fillRef>
+            <a:effectRef idx="0">
+              <a:schemeClr val="accent1"/>
+            </a:effectRef>
+            <a:fontRef idx="minor">
+              <a:schemeClr val="lt1"/>
+            </a:fontRef>
+          </p:style>
+          <p:txBody>
+            <a:bodyPr rtlCol="0" anchor="ctr"/>
+            <a:lstStyle/>
+            <a:p>
+              <a:pPr algn="ctr"/>
+              <a:endParaRPr lang="en-US" dirty="0"/>
+            </a:p>
+          </p:txBody>
+        </p:sp>
       </p:grpSp>
     </p:spTree>
     <p:extLst>
@@ -6295,272 +6316,282 @@
           <a:chExt cx="0" cy="0"/>
         </a:xfrm>
       </p:grpSpPr>
-      <p:grpSp>
-        <p:nvGrpSpPr>
-          <p:cNvPr id="6" name="Group 5">
+      <p:pic>
+        <p:nvPicPr>
+          <p:cNvPr id="7" name="Picture 6">
             <a:extLst>
               <a:ext uri="{FF2B5EF4-FFF2-40B4-BE49-F238E27FC236}">
-                <a16:creationId xmlns:a16="http://schemas.microsoft.com/office/drawing/2014/main" id="{2ABBD7A0-3858-FA4E-8FFB-8059F64D993D}"/>
+                <a16:creationId xmlns:a16="http://schemas.microsoft.com/office/drawing/2014/main" id="{6FB14216-F9E7-444D-8B97-0FAD3E0F894E}"/>
               </a:ext>
             </a:extLst>
           </p:cNvPr>
-          <p:cNvGrpSpPr/>
+          <p:cNvPicPr>
+            <a:picLocks noChangeAspect="1"/>
+          </p:cNvPicPr>
           <p:nvPr/>
-        </p:nvGrpSpPr>
-        <p:grpSpPr>
+        </p:nvPicPr>
+        <p:blipFill>
+          <a:blip r:embed="rId3"/>
+          <a:stretch>
+            <a:fillRect/>
+          </a:stretch>
+        </p:blipFill>
+        <p:spPr>
           <a:xfrm>
-            <a:off x="336886" y="548640"/>
-            <a:ext cx="11460976" cy="6261232"/>
-            <a:chOff x="336886" y="548640"/>
-            <a:chExt cx="11460976" cy="6261232"/>
+            <a:off x="457200" y="548640"/>
+            <a:ext cx="11179628" cy="5943600"/>
           </a:xfrm>
-        </p:grpSpPr>
-        <p:grpSp>
-          <p:nvGrpSpPr>
-            <p:cNvPr id="3" name="Group 2">
-              <a:extLst>
-                <a:ext uri="{FF2B5EF4-FFF2-40B4-BE49-F238E27FC236}">
-                  <a16:creationId xmlns:a16="http://schemas.microsoft.com/office/drawing/2014/main" id="{1A210A2D-38BA-9E4F-9BA2-FEF42141810C}"/>
-                </a:ext>
-              </a:extLst>
-            </p:cNvPr>
-            <p:cNvGrpSpPr/>
-            <p:nvPr/>
-          </p:nvGrpSpPr>
-          <p:grpSpPr>
-            <a:xfrm>
-              <a:off x="336886" y="548640"/>
-              <a:ext cx="11460976" cy="6261232"/>
-              <a:chOff x="336886" y="548640"/>
-              <a:chExt cx="11460976" cy="6261232"/>
-            </a:xfrm>
-          </p:grpSpPr>
-          <p:pic>
-            <p:nvPicPr>
-              <p:cNvPr id="2" name="Picture 1">
-                <a:extLst>
-                  <a:ext uri="{FF2B5EF4-FFF2-40B4-BE49-F238E27FC236}">
-                    <a16:creationId xmlns:a16="http://schemas.microsoft.com/office/drawing/2014/main" id="{B42CE599-8FC5-A149-8DFD-909ADE72F723}"/>
-                  </a:ext>
-                </a:extLst>
-              </p:cNvPr>
-              <p:cNvPicPr>
-                <a:picLocks noChangeAspect="1"/>
-              </p:cNvPicPr>
-              <p:nvPr/>
-            </p:nvPicPr>
-            <p:blipFill>
-              <a:blip r:embed="rId3"/>
-              <a:stretch>
-                <a:fillRect/>
-              </a:stretch>
-            </p:blipFill>
-            <p:spPr>
-              <a:xfrm>
-                <a:off x="457200" y="548640"/>
-                <a:ext cx="11340662" cy="5943600"/>
-              </a:xfrm>
-              <a:prstGeom prst="rect">
-                <a:avLst/>
-              </a:prstGeom>
-              <a:ln w="28575">
-                <a:solidFill>
-                  <a:srgbClr val="346640"/>
-                </a:solidFill>
-              </a:ln>
-            </p:spPr>
-          </p:pic>
-          <p:sp>
-            <p:nvSpPr>
-              <p:cNvPr id="8" name="TextBox 7">
-                <a:extLst>
-                  <a:ext uri="{FF2B5EF4-FFF2-40B4-BE49-F238E27FC236}">
-                    <a16:creationId xmlns:a16="http://schemas.microsoft.com/office/drawing/2014/main" id="{0672FF86-D2C4-8140-9128-76DBF947C214}"/>
-                  </a:ext>
-                </a:extLst>
-              </p:cNvPr>
-              <p:cNvSpPr txBox="1"/>
-              <p:nvPr/>
-            </p:nvSpPr>
-            <p:spPr>
-              <a:xfrm>
-                <a:off x="1228263" y="809044"/>
-                <a:ext cx="3964224" cy="830997"/>
-              </a:xfrm>
-              <a:prstGeom prst="rect">
-                <a:avLst/>
-              </a:prstGeom>
-              <a:noFill/>
-            </p:spPr>
-            <p:txBody>
-              <a:bodyPr wrap="square" rtlCol="0">
-                <a:spAutoFit/>
-              </a:bodyPr>
-              <a:lstStyle/>
-              <a:p>
-                <a:r>
-                  <a:rPr lang="en-US" sz="2400" dirty="0">
-                    <a:solidFill>
-                      <a:srgbClr val="130355"/>
-                    </a:solidFill>
-                  </a:rPr>
-                  <a:t>COVID Unemployment Rate:</a:t>
-                </a:r>
-              </a:p>
-              <a:p>
-                <a:r>
-                  <a:rPr lang="en-US" sz="2400" dirty="0">
-                    <a:solidFill>
-                      <a:srgbClr val="130355"/>
-                    </a:solidFill>
-                  </a:rPr>
-                  <a:t>Breakdown by Gender</a:t>
-                </a:r>
-              </a:p>
-            </p:txBody>
-          </p:sp>
-          <p:sp>
-            <p:nvSpPr>
-              <p:cNvPr id="9" name="TextBox 8">
-                <a:extLst>
-                  <a:ext uri="{FF2B5EF4-FFF2-40B4-BE49-F238E27FC236}">
-                    <a16:creationId xmlns:a16="http://schemas.microsoft.com/office/drawing/2014/main" id="{06264B2F-1C4C-D647-AA3A-74C736815D5D}"/>
-                  </a:ext>
-                </a:extLst>
-              </p:cNvPr>
-              <p:cNvSpPr txBox="1"/>
-              <p:nvPr/>
-            </p:nvSpPr>
-            <p:spPr>
-              <a:xfrm>
-                <a:off x="336886" y="6532873"/>
-                <a:ext cx="8692576" cy="276999"/>
-              </a:xfrm>
-              <a:prstGeom prst="rect">
-                <a:avLst/>
-              </a:prstGeom>
-              <a:noFill/>
-            </p:spPr>
-            <p:txBody>
-              <a:bodyPr wrap="square" rtlCol="0">
-                <a:spAutoFit/>
-              </a:bodyPr>
-              <a:lstStyle/>
-              <a:p>
-                <a:r>
-                  <a:rPr lang="en-US" sz="1200" dirty="0">
-                    <a:solidFill>
-                      <a:schemeClr val="accent6"/>
-                    </a:solidFill>
-                  </a:rPr>
-                  <a:t>Data from Federal Reserve Economic Data https://</a:t>
-                </a:r>
-                <a:r>
-                  <a:rPr lang="en-US" sz="1200" dirty="0" err="1">
-                    <a:solidFill>
-                      <a:schemeClr val="accent6"/>
-                    </a:solidFill>
-                  </a:rPr>
-                  <a:t>www.quandl.com</a:t>
-                </a:r>
-                <a:r>
-                  <a:rPr lang="en-US" sz="1200" dirty="0">
-                    <a:solidFill>
-                      <a:schemeClr val="accent6"/>
-                    </a:solidFill>
-                  </a:rPr>
-                  <a:t>/data/FRED-Federal-Reserve-Economic-Data</a:t>
-                </a:r>
-              </a:p>
-            </p:txBody>
-          </p:sp>
-        </p:grpSp>
-        <p:sp>
-          <p:nvSpPr>
-            <p:cNvPr id="5" name="TextBox 4">
-              <a:extLst>
-                <a:ext uri="{FF2B5EF4-FFF2-40B4-BE49-F238E27FC236}">
-                  <a16:creationId xmlns:a16="http://schemas.microsoft.com/office/drawing/2014/main" id="{454B1108-87B8-D14A-B044-B6FF48ADEE98}"/>
-                </a:ext>
-              </a:extLst>
-            </p:cNvPr>
-            <p:cNvSpPr txBox="1"/>
-            <p:nvPr/>
-          </p:nvSpPr>
-          <p:spPr>
-            <a:xfrm>
-              <a:off x="1228263" y="2043112"/>
-              <a:ext cx="3755572" cy="2031325"/>
-            </a:xfrm>
-            <a:prstGeom prst="rect">
-              <a:avLst/>
-            </a:prstGeom>
+          <a:prstGeom prst="rect">
+            <a:avLst/>
+          </a:prstGeom>
+          <a:ln w="28575">
+            <a:solidFill>
+              <a:srgbClr val="346640"/>
+            </a:solidFill>
+          </a:ln>
+        </p:spPr>
+      </p:pic>
+      <p:sp>
+        <p:nvSpPr>
+          <p:cNvPr id="8" name="TextBox 7">
+            <a:extLst>
+              <a:ext uri="{FF2B5EF4-FFF2-40B4-BE49-F238E27FC236}">
+                <a16:creationId xmlns:a16="http://schemas.microsoft.com/office/drawing/2014/main" id="{0672FF86-D2C4-8140-9128-76DBF947C214}"/>
+              </a:ext>
+            </a:extLst>
+          </p:cNvPr>
+          <p:cNvSpPr txBox="1"/>
+          <p:nvPr/>
+        </p:nvSpPr>
+        <p:spPr>
+          <a:xfrm>
+            <a:off x="1262553" y="957634"/>
+            <a:ext cx="3964224" cy="830997"/>
+          </a:xfrm>
+          <a:prstGeom prst="rect">
+            <a:avLst/>
+          </a:prstGeom>
+          <a:noFill/>
+        </p:spPr>
+        <p:txBody>
+          <a:bodyPr wrap="square" rtlCol="0">
+            <a:spAutoFit/>
+          </a:bodyPr>
+          <a:lstStyle/>
+          <a:p>
+            <a:r>
+              <a:rPr lang="en-US" sz="2400" dirty="0">
+                <a:solidFill>
+                  <a:srgbClr val="130355"/>
+                </a:solidFill>
+              </a:rPr>
+              <a:t>COVID Unemployment Rate:</a:t>
+            </a:r>
+          </a:p>
+          <a:p>
+            <a:r>
+              <a:rPr lang="en-US" sz="2400" dirty="0">
+                <a:solidFill>
+                  <a:srgbClr val="130355"/>
+                </a:solidFill>
+              </a:rPr>
+              <a:t>Breakdown by Gender</a:t>
+            </a:r>
+          </a:p>
+        </p:txBody>
+      </p:sp>
+      <p:sp>
+        <p:nvSpPr>
+          <p:cNvPr id="9" name="TextBox 8">
+            <a:extLst>
+              <a:ext uri="{FF2B5EF4-FFF2-40B4-BE49-F238E27FC236}">
+                <a16:creationId xmlns:a16="http://schemas.microsoft.com/office/drawing/2014/main" id="{06264B2F-1C4C-D647-AA3A-74C736815D5D}"/>
+              </a:ext>
+            </a:extLst>
+          </p:cNvPr>
+          <p:cNvSpPr txBox="1"/>
+          <p:nvPr/>
+        </p:nvSpPr>
+        <p:spPr>
+          <a:xfrm>
+            <a:off x="336886" y="6532873"/>
+            <a:ext cx="8692576" cy="276999"/>
+          </a:xfrm>
+          <a:prstGeom prst="rect">
+            <a:avLst/>
+          </a:prstGeom>
+          <a:noFill/>
+        </p:spPr>
+        <p:txBody>
+          <a:bodyPr wrap="square" rtlCol="0">
+            <a:spAutoFit/>
+          </a:bodyPr>
+          <a:lstStyle/>
+          <a:p>
+            <a:r>
+              <a:rPr lang="en-US" sz="1200" dirty="0">
+                <a:solidFill>
+                  <a:schemeClr val="accent6"/>
+                </a:solidFill>
+              </a:rPr>
+              <a:t>Data from Federal Reserve Economic Data https://</a:t>
+            </a:r>
+            <a:r>
+              <a:rPr lang="en-US" sz="1200" dirty="0" err="1">
+                <a:solidFill>
+                  <a:schemeClr val="accent6"/>
+                </a:solidFill>
+              </a:rPr>
+              <a:t>www.quandl.com</a:t>
+            </a:r>
+            <a:r>
+              <a:rPr lang="en-US" sz="1200" dirty="0">
+                <a:solidFill>
+                  <a:schemeClr val="accent6"/>
+                </a:solidFill>
+              </a:rPr>
+              <a:t>/data/FRED-Federal-Reserve-Economic-Data</a:t>
+            </a:r>
+          </a:p>
+        </p:txBody>
+      </p:sp>
+      <p:sp>
+        <p:nvSpPr>
+          <p:cNvPr id="5" name="TextBox 4">
+            <a:extLst>
+              <a:ext uri="{FF2B5EF4-FFF2-40B4-BE49-F238E27FC236}">
+                <a16:creationId xmlns:a16="http://schemas.microsoft.com/office/drawing/2014/main" id="{454B1108-87B8-D14A-B044-B6FF48ADEE98}"/>
+              </a:ext>
+            </a:extLst>
+          </p:cNvPr>
+          <p:cNvSpPr txBox="1"/>
+          <p:nvPr/>
+        </p:nvSpPr>
+        <p:spPr>
+          <a:xfrm>
+            <a:off x="1273983" y="1928812"/>
+            <a:ext cx="3755572" cy="2031325"/>
+          </a:xfrm>
+          <a:prstGeom prst="rect">
+            <a:avLst/>
+          </a:prstGeom>
+          <a:noFill/>
+        </p:spPr>
+        <p:txBody>
+          <a:bodyPr wrap="square" rtlCol="0">
+            <a:spAutoFit/>
+          </a:bodyPr>
+          <a:lstStyle/>
+          <a:p>
+            <a:pPr marL="285750" indent="-285750">
+              <a:buFont typeface="Arial" panose="020B0604020202020204" pitchFamily="34" charset="0"/>
+              <a:buChar char="•"/>
+            </a:pPr>
+            <a:r>
+              <a:rPr lang="en-US" dirty="0">
+                <a:solidFill>
+                  <a:srgbClr val="130355"/>
+                </a:solidFill>
+              </a:rPr>
+              <a:t>Overall rate maxed at 14.8%</a:t>
+            </a:r>
+          </a:p>
+          <a:p>
+            <a:endParaRPr lang="en-US" dirty="0">
+              <a:solidFill>
+                <a:srgbClr val="130355"/>
+              </a:solidFill>
+            </a:endParaRPr>
+          </a:p>
+          <a:p>
+            <a:pPr marL="285750" indent="-285750">
+              <a:buFont typeface="Arial" panose="020B0604020202020204" pitchFamily="34" charset="0"/>
+              <a:buChar char="•"/>
+            </a:pPr>
+            <a:r>
+              <a:rPr lang="en-US" dirty="0">
+                <a:solidFill>
+                  <a:srgbClr val="130355"/>
+                </a:solidFill>
+              </a:rPr>
+              <a:t>Women’s rate (16.1%) was higher than men’s (13.6%)</a:t>
+            </a:r>
+          </a:p>
+          <a:p>
+            <a:endParaRPr lang="en-US" dirty="0">
+              <a:solidFill>
+                <a:srgbClr val="130355"/>
+              </a:solidFill>
+            </a:endParaRPr>
+          </a:p>
+          <a:p>
+            <a:pPr marL="285750" indent="-285750">
+              <a:buFont typeface="Arial" panose="020B0604020202020204" pitchFamily="34" charset="0"/>
+              <a:buChar char="•"/>
+            </a:pPr>
+            <a:r>
+              <a:rPr lang="en-US" dirty="0">
+                <a:solidFill>
+                  <a:srgbClr val="130355"/>
+                </a:solidFill>
+              </a:rPr>
+              <a:t>One year later, gender gap has narrowed, and men &gt; women</a:t>
+            </a:r>
+          </a:p>
+        </p:txBody>
+      </p:sp>
+      <p:sp>
+        <p:nvSpPr>
+          <p:cNvPr id="10" name="Rectangle 9">
+            <a:extLst>
+              <a:ext uri="{FF2B5EF4-FFF2-40B4-BE49-F238E27FC236}">
+                <a16:creationId xmlns:a16="http://schemas.microsoft.com/office/drawing/2014/main" id="{36345753-EB02-2C47-B067-04051B1C0716}"/>
+              </a:ext>
+            </a:extLst>
+          </p:cNvPr>
+          <p:cNvSpPr/>
+          <p:nvPr/>
+        </p:nvSpPr>
+        <p:spPr>
+          <a:xfrm>
+            <a:off x="4009292" y="597878"/>
+            <a:ext cx="4448908" cy="211015"/>
+          </a:xfrm>
+          <a:prstGeom prst="rect">
+            <a:avLst/>
+          </a:prstGeom>
+          <a:solidFill>
+            <a:schemeClr val="tx1"/>
+          </a:solidFill>
+          <a:ln>
             <a:noFill/>
-          </p:spPr>
-          <p:txBody>
-            <a:bodyPr wrap="square" rtlCol="0">
-              <a:spAutoFit/>
-            </a:bodyPr>
-            <a:lstStyle/>
-            <a:p>
-              <a:pPr marL="285750" indent="-285750">
-                <a:buFont typeface="Arial" panose="020B0604020202020204" pitchFamily="34" charset="0"/>
-                <a:buChar char="•"/>
-              </a:pPr>
-              <a:r>
-                <a:rPr lang="en-US" dirty="0">
-                  <a:solidFill>
-                    <a:srgbClr val="130355"/>
-                  </a:solidFill>
-                </a:rPr>
-                <a:t>Overall rate maxed at 14.8%</a:t>
-              </a:r>
-            </a:p>
-            <a:p>
-              <a:endParaRPr lang="en-US" dirty="0">
-                <a:solidFill>
-                  <a:srgbClr val="130355"/>
-                </a:solidFill>
-              </a:endParaRPr>
-            </a:p>
-            <a:p>
-              <a:pPr marL="285750" indent="-285750">
-                <a:buFont typeface="Arial" panose="020B0604020202020204" pitchFamily="34" charset="0"/>
-                <a:buChar char="•"/>
-              </a:pPr>
-              <a:r>
-                <a:rPr lang="en-US" dirty="0">
-                  <a:solidFill>
-                    <a:srgbClr val="130355"/>
-                  </a:solidFill>
-                </a:rPr>
-                <a:t>Women’s rate (16.1%) was higher than men’s (13.6%)</a:t>
-              </a:r>
-            </a:p>
-            <a:p>
-              <a:endParaRPr lang="en-US" dirty="0">
-                <a:solidFill>
-                  <a:srgbClr val="130355"/>
-                </a:solidFill>
-              </a:endParaRPr>
-            </a:p>
-            <a:p>
-              <a:pPr marL="285750" indent="-285750">
-                <a:buFont typeface="Arial" panose="020B0604020202020204" pitchFamily="34" charset="0"/>
-                <a:buChar char="•"/>
-              </a:pPr>
-              <a:r>
-                <a:rPr lang="en-US" dirty="0">
-                  <a:solidFill>
-                    <a:srgbClr val="130355"/>
-                  </a:solidFill>
-                </a:rPr>
-                <a:t>One year later, gender gap has narrowed, and men &gt; women</a:t>
-              </a:r>
-            </a:p>
-          </p:txBody>
-        </p:sp>
-      </p:grpSp>
+          </a:ln>
+        </p:spPr>
+        <p:style>
+          <a:lnRef idx="2">
+            <a:schemeClr val="accent1">
+              <a:shade val="50000"/>
+            </a:schemeClr>
+          </a:lnRef>
+          <a:fillRef idx="1">
+            <a:schemeClr val="accent1"/>
+          </a:fillRef>
+          <a:effectRef idx="0">
+            <a:schemeClr val="accent1"/>
+          </a:effectRef>
+          <a:fontRef idx="minor">
+            <a:schemeClr val="lt1"/>
+          </a:fontRef>
+        </p:style>
+        <p:txBody>
+          <a:bodyPr rtlCol="0" anchor="ctr"/>
+          <a:lstStyle/>
+          <a:p>
+            <a:pPr algn="ctr"/>
+            <a:endParaRPr lang="en-US" dirty="0"/>
+          </a:p>
+        </p:txBody>
+      </p:sp>
     </p:spTree>
     <p:extLst>
       <p:ext uri="{BB962C8B-B14F-4D97-AF65-F5344CB8AC3E}">
@@ -6601,10 +6632,10 @@
       </p:grpSpPr>
       <p:grpSp>
         <p:nvGrpSpPr>
-          <p:cNvPr id="5" name="Group 4">
+          <p:cNvPr id="6" name="Group 5">
             <a:extLst>
               <a:ext uri="{FF2B5EF4-FFF2-40B4-BE49-F238E27FC236}">
-                <a16:creationId xmlns:a16="http://schemas.microsoft.com/office/drawing/2014/main" id="{85A44CE3-AA14-7A44-825E-27EE12C88A41}"/>
+                <a16:creationId xmlns:a16="http://schemas.microsoft.com/office/drawing/2014/main" id="{EC710DF2-CE1B-D34B-8EB4-19DC13A20C55}"/>
               </a:ext>
             </a:extLst>
           </p:cNvPr>
@@ -6614,17 +6645,17 @@
         <p:grpSpPr>
           <a:xfrm>
             <a:off x="336886" y="548640"/>
-            <a:ext cx="11617130" cy="6261232"/>
+            <a:ext cx="11450892" cy="6261232"/>
             <a:chOff x="336886" y="548640"/>
-            <a:chExt cx="11617130" cy="6261232"/>
+            <a:chExt cx="11450892" cy="6261232"/>
           </a:xfrm>
         </p:grpSpPr>
         <p:pic>
           <p:nvPicPr>
-            <p:cNvPr id="4" name="Picture 3">
+            <p:cNvPr id="3" name="Picture 2">
               <a:extLst>
                 <a:ext uri="{FF2B5EF4-FFF2-40B4-BE49-F238E27FC236}">
-                  <a16:creationId xmlns:a16="http://schemas.microsoft.com/office/drawing/2014/main" id="{73CE1C99-5403-B343-B37A-371502C65FC7}"/>
+                  <a16:creationId xmlns:a16="http://schemas.microsoft.com/office/drawing/2014/main" id="{80C7C288-6A4F-8448-AA87-043BEF06700C}"/>
                 </a:ext>
               </a:extLst>
             </p:cNvPr>
@@ -6642,7 +6673,7 @@
           <p:spPr>
             <a:xfrm>
               <a:off x="457200" y="548640"/>
-              <a:ext cx="11496816" cy="5943600"/>
+              <a:ext cx="11330578" cy="5943600"/>
             </a:xfrm>
             <a:prstGeom prst="rect">
               <a:avLst/>
@@ -6668,7 +6699,7 @@
           </p:nvSpPr>
           <p:spPr>
             <a:xfrm>
-              <a:off x="1228262" y="809044"/>
+              <a:off x="1411142" y="877624"/>
               <a:ext cx="6195787" cy="830997"/>
             </a:xfrm>
             <a:prstGeom prst="rect">
@@ -6758,92 +6789,144 @@
             </a:p>
           </p:txBody>
         </p:sp>
+        <p:sp>
+          <p:nvSpPr>
+            <p:cNvPr id="10" name="TextBox 9">
+              <a:extLst>
+                <a:ext uri="{FF2B5EF4-FFF2-40B4-BE49-F238E27FC236}">
+                  <a16:creationId xmlns:a16="http://schemas.microsoft.com/office/drawing/2014/main" id="{DB37AAB4-375A-C14B-BC31-C37234EE1DF7}"/>
+                </a:ext>
+              </a:extLst>
+            </p:cNvPr>
+            <p:cNvSpPr txBox="1"/>
+            <p:nvPr/>
+          </p:nvSpPr>
+          <p:spPr>
+            <a:xfrm>
+              <a:off x="1411141" y="1848802"/>
+              <a:ext cx="5597081" cy="1754326"/>
+            </a:xfrm>
+            <a:prstGeom prst="rect">
+              <a:avLst/>
+            </a:prstGeom>
+            <a:noFill/>
+          </p:spPr>
+          <p:txBody>
+            <a:bodyPr wrap="square" rtlCol="0">
+              <a:spAutoFit/>
+            </a:bodyPr>
+            <a:lstStyle/>
+            <a:p>
+              <a:pPr marL="285750" indent="-285750">
+                <a:buFont typeface="Arial" panose="020B0604020202020204" pitchFamily="34" charset="0"/>
+                <a:buChar char="•"/>
+              </a:pPr>
+              <a:r>
+                <a:rPr lang="en-US" dirty="0">
+                  <a:solidFill>
+                    <a:srgbClr val="130355"/>
+                  </a:solidFill>
+                </a:rPr>
+                <a:t>Peak unemployment rates highest for People of Color </a:t>
+              </a:r>
+            </a:p>
+            <a:p>
+              <a:endParaRPr lang="en-US" dirty="0">
+                <a:solidFill>
+                  <a:srgbClr val="130355"/>
+                </a:solidFill>
+              </a:endParaRPr>
+            </a:p>
+            <a:p>
+              <a:pPr marL="285750" indent="-285750">
+                <a:buFont typeface="Arial" panose="020B0604020202020204" pitchFamily="34" charset="0"/>
+                <a:buChar char="•"/>
+              </a:pPr>
+              <a:r>
+                <a:rPr lang="en-US" dirty="0">
+                  <a:solidFill>
+                    <a:srgbClr val="130355"/>
+                  </a:solidFill>
+                </a:rPr>
+                <a:t>Hispanic/Latinx had most dramatic increase</a:t>
+              </a:r>
+            </a:p>
+            <a:p>
+              <a:endParaRPr lang="en-US" dirty="0">
+                <a:solidFill>
+                  <a:srgbClr val="130355"/>
+                </a:solidFill>
+              </a:endParaRPr>
+            </a:p>
+            <a:p>
+              <a:pPr marL="285750" indent="-285750">
+                <a:buFont typeface="Arial" panose="020B0604020202020204" pitchFamily="34" charset="0"/>
+                <a:buChar char="•"/>
+              </a:pPr>
+              <a:r>
+                <a:rPr lang="en-US" dirty="0">
+                  <a:solidFill>
+                    <a:srgbClr val="130355"/>
+                  </a:solidFill>
+                </a:rPr>
+                <a:t>One year later, race gap remains, weakest recovery for Blacks, strongest for White/Asians</a:t>
+              </a:r>
+            </a:p>
+          </p:txBody>
+        </p:sp>
+        <p:sp>
+          <p:nvSpPr>
+            <p:cNvPr id="11" name="Rectangle 10">
+              <a:extLst>
+                <a:ext uri="{FF2B5EF4-FFF2-40B4-BE49-F238E27FC236}">
+                  <a16:creationId xmlns:a16="http://schemas.microsoft.com/office/drawing/2014/main" id="{E0D610E5-3A78-6841-8D0B-B767122FCCE7}"/>
+                </a:ext>
+              </a:extLst>
+            </p:cNvPr>
+            <p:cNvSpPr/>
+            <p:nvPr/>
+          </p:nvSpPr>
+          <p:spPr>
+            <a:xfrm>
+              <a:off x="3534508" y="597878"/>
+              <a:ext cx="6031524" cy="211166"/>
+            </a:xfrm>
+            <a:prstGeom prst="rect">
+              <a:avLst/>
+            </a:prstGeom>
+            <a:solidFill>
+              <a:schemeClr val="tx1"/>
+            </a:solidFill>
+            <a:ln>
+              <a:noFill/>
+            </a:ln>
+          </p:spPr>
+          <p:style>
+            <a:lnRef idx="2">
+              <a:schemeClr val="accent1">
+                <a:shade val="50000"/>
+              </a:schemeClr>
+            </a:lnRef>
+            <a:fillRef idx="1">
+              <a:schemeClr val="accent1"/>
+            </a:fillRef>
+            <a:effectRef idx="0">
+              <a:schemeClr val="accent1"/>
+            </a:effectRef>
+            <a:fontRef idx="minor">
+              <a:schemeClr val="lt1"/>
+            </a:fontRef>
+          </p:style>
+          <p:txBody>
+            <a:bodyPr rtlCol="0" anchor="ctr"/>
+            <a:lstStyle/>
+            <a:p>
+              <a:pPr algn="ctr"/>
+              <a:endParaRPr lang="en-US" dirty="0"/>
+            </a:p>
+          </p:txBody>
+        </p:sp>
       </p:grpSp>
-      <p:sp>
-        <p:nvSpPr>
-          <p:cNvPr id="10" name="TextBox 9">
-            <a:extLst>
-              <a:ext uri="{FF2B5EF4-FFF2-40B4-BE49-F238E27FC236}">
-                <a16:creationId xmlns:a16="http://schemas.microsoft.com/office/drawing/2014/main" id="{DB37AAB4-375A-C14B-BC31-C37234EE1DF7}"/>
-              </a:ext>
-            </a:extLst>
-          </p:cNvPr>
-          <p:cNvSpPr txBox="1"/>
-          <p:nvPr/>
-        </p:nvSpPr>
-        <p:spPr>
-          <a:xfrm>
-            <a:off x="1228261" y="2043112"/>
-            <a:ext cx="5597081" cy="1754326"/>
-          </a:xfrm>
-          <a:prstGeom prst="rect">
-            <a:avLst/>
-          </a:prstGeom>
-          <a:noFill/>
-        </p:spPr>
-        <p:txBody>
-          <a:bodyPr wrap="square" rtlCol="0">
-            <a:spAutoFit/>
-          </a:bodyPr>
-          <a:lstStyle/>
-          <a:p>
-            <a:pPr marL="285750" indent="-285750">
-              <a:buFont typeface="Arial" panose="020B0604020202020204" pitchFamily="34" charset="0"/>
-              <a:buChar char="•"/>
-            </a:pPr>
-            <a:r>
-              <a:rPr lang="en-US" dirty="0">
-                <a:solidFill>
-                  <a:srgbClr val="130355"/>
-                </a:solidFill>
-              </a:rPr>
-              <a:t>Peak unemployment rates highest for People of Color </a:t>
-            </a:r>
-          </a:p>
-          <a:p>
-            <a:endParaRPr lang="en-US" dirty="0">
-              <a:solidFill>
-                <a:srgbClr val="130355"/>
-              </a:solidFill>
-            </a:endParaRPr>
-          </a:p>
-          <a:p>
-            <a:pPr marL="285750" indent="-285750">
-              <a:buFont typeface="Arial" panose="020B0604020202020204" pitchFamily="34" charset="0"/>
-              <a:buChar char="•"/>
-            </a:pPr>
-            <a:r>
-              <a:rPr lang="en-US" dirty="0">
-                <a:solidFill>
-                  <a:srgbClr val="130355"/>
-                </a:solidFill>
-              </a:rPr>
-              <a:t>Hispanic/Latinx had most dramatic increase</a:t>
-            </a:r>
-          </a:p>
-          <a:p>
-            <a:endParaRPr lang="en-US" dirty="0">
-              <a:solidFill>
-                <a:srgbClr val="130355"/>
-              </a:solidFill>
-            </a:endParaRPr>
-          </a:p>
-          <a:p>
-            <a:pPr marL="285750" indent="-285750">
-              <a:buFont typeface="Arial" panose="020B0604020202020204" pitchFamily="34" charset="0"/>
-              <a:buChar char="•"/>
-            </a:pPr>
-            <a:r>
-              <a:rPr lang="en-US" dirty="0">
-                <a:solidFill>
-                  <a:srgbClr val="130355"/>
-                </a:solidFill>
-              </a:rPr>
-              <a:t>One year later, race gap remains, weakest recovery for Blacks, strongest for White/Asians</a:t>
-            </a:r>
-          </a:p>
-        </p:txBody>
-      </p:sp>
     </p:spTree>
     <p:extLst>
       <p:ext uri="{BB962C8B-B14F-4D97-AF65-F5344CB8AC3E}">
@@ -6882,168 +6965,145 @@
           <a:chExt cx="0" cy="0"/>
         </a:xfrm>
       </p:grpSpPr>
-      <p:grpSp>
-        <p:nvGrpSpPr>
-          <p:cNvPr id="3" name="Group 2">
+      <p:pic>
+        <p:nvPicPr>
+          <p:cNvPr id="5" name="Picture 4">
             <a:extLst>
               <a:ext uri="{FF2B5EF4-FFF2-40B4-BE49-F238E27FC236}">
-                <a16:creationId xmlns:a16="http://schemas.microsoft.com/office/drawing/2014/main" id="{7898E86C-DA2F-BD49-A26E-A4E3BC0EF693}"/>
+                <a16:creationId xmlns:a16="http://schemas.microsoft.com/office/drawing/2014/main" id="{79520B98-13BA-6B45-85B7-5AE281DE5CE1}"/>
               </a:ext>
             </a:extLst>
           </p:cNvPr>
-          <p:cNvGrpSpPr/>
+          <p:cNvPicPr>
+            <a:picLocks noChangeAspect="1"/>
+          </p:cNvPicPr>
           <p:nvPr/>
-        </p:nvGrpSpPr>
-        <p:grpSpPr>
+        </p:nvPicPr>
+        <p:blipFill>
+          <a:blip r:embed="rId3"/>
+          <a:stretch>
+            <a:fillRect/>
+          </a:stretch>
+        </p:blipFill>
+        <p:spPr>
           <a:xfrm>
-            <a:off x="336886" y="548640"/>
-            <a:ext cx="11460976" cy="6261232"/>
-            <a:chOff x="336886" y="548640"/>
-            <a:chExt cx="11460976" cy="6261232"/>
+            <a:off x="457200" y="548640"/>
+            <a:ext cx="11179628" cy="5943600"/>
           </a:xfrm>
-        </p:grpSpPr>
-        <p:pic>
-          <p:nvPicPr>
-            <p:cNvPr id="2" name="Picture 1">
-              <a:extLst>
-                <a:ext uri="{FF2B5EF4-FFF2-40B4-BE49-F238E27FC236}">
-                  <a16:creationId xmlns:a16="http://schemas.microsoft.com/office/drawing/2014/main" id="{89619019-0A22-614F-91C4-86208D3E3BC3}"/>
-                </a:ext>
-              </a:extLst>
-            </p:cNvPr>
-            <p:cNvPicPr>
-              <a:picLocks noChangeAspect="1"/>
-            </p:cNvPicPr>
-            <p:nvPr/>
-          </p:nvPicPr>
-          <p:blipFill>
-            <a:blip r:embed="rId3">
-              <a:alphaModFix/>
-            </a:blip>
-            <a:stretch>
-              <a:fillRect/>
-            </a:stretch>
-          </p:blipFill>
-          <p:spPr>
-            <a:xfrm>
-              <a:off x="457200" y="548640"/>
-              <a:ext cx="11340662" cy="5943600"/>
-            </a:xfrm>
-            <a:prstGeom prst="rect">
-              <a:avLst/>
-            </a:prstGeom>
-            <a:ln w="28575">
-              <a:solidFill>
-                <a:srgbClr val="346640"/>
-              </a:solidFill>
-            </a:ln>
-          </p:spPr>
-        </p:pic>
-        <p:sp>
-          <p:nvSpPr>
-            <p:cNvPr id="8" name="TextBox 7">
-              <a:extLst>
-                <a:ext uri="{FF2B5EF4-FFF2-40B4-BE49-F238E27FC236}">
-                  <a16:creationId xmlns:a16="http://schemas.microsoft.com/office/drawing/2014/main" id="{0672FF86-D2C4-8140-9128-76DBF947C214}"/>
-                </a:ext>
-              </a:extLst>
-            </p:cNvPr>
-            <p:cNvSpPr txBox="1"/>
-            <p:nvPr/>
-          </p:nvSpPr>
-          <p:spPr>
-            <a:xfrm>
-              <a:off x="1228262" y="809044"/>
-              <a:ext cx="6195787" cy="830997"/>
-            </a:xfrm>
-            <a:prstGeom prst="rect">
-              <a:avLst/>
-            </a:prstGeom>
-            <a:noFill/>
-          </p:spPr>
-          <p:txBody>
-            <a:bodyPr wrap="square" rtlCol="0">
-              <a:spAutoFit/>
-            </a:bodyPr>
-            <a:lstStyle/>
-            <a:p>
-              <a:r>
-                <a:rPr lang="en-US" sz="2400" dirty="0">
-                  <a:solidFill>
-                    <a:srgbClr val="130355"/>
-                  </a:solidFill>
-                </a:rPr>
-                <a:t>COVID Unemployment Rate:</a:t>
-              </a:r>
-            </a:p>
-            <a:p>
-              <a:r>
-                <a:rPr lang="en-US" sz="2400" dirty="0">
-                  <a:solidFill>
-                    <a:srgbClr val="130355"/>
-                  </a:solidFill>
-                </a:rPr>
-                <a:t>Breakdown by Age Group</a:t>
-              </a:r>
-            </a:p>
-          </p:txBody>
-        </p:sp>
-        <p:sp>
-          <p:nvSpPr>
-            <p:cNvPr id="9" name="TextBox 8">
-              <a:extLst>
-                <a:ext uri="{FF2B5EF4-FFF2-40B4-BE49-F238E27FC236}">
-                  <a16:creationId xmlns:a16="http://schemas.microsoft.com/office/drawing/2014/main" id="{06264B2F-1C4C-D647-AA3A-74C736815D5D}"/>
-                </a:ext>
-              </a:extLst>
-            </p:cNvPr>
-            <p:cNvSpPr txBox="1"/>
-            <p:nvPr/>
-          </p:nvSpPr>
-          <p:spPr>
-            <a:xfrm>
-              <a:off x="336886" y="6532873"/>
-              <a:ext cx="8692576" cy="276999"/>
-            </a:xfrm>
-            <a:prstGeom prst="rect">
-              <a:avLst/>
-            </a:prstGeom>
-            <a:noFill/>
-          </p:spPr>
-          <p:txBody>
-            <a:bodyPr wrap="square" rtlCol="0">
-              <a:spAutoFit/>
-            </a:bodyPr>
-            <a:lstStyle/>
-            <a:p>
-              <a:r>
-                <a:rPr lang="en-US" sz="1200" dirty="0">
-                  <a:solidFill>
-                    <a:schemeClr val="accent6"/>
-                  </a:solidFill>
-                </a:rPr>
-                <a:t>Data from Federal Reserve Economic Data https://</a:t>
-              </a:r>
-              <a:r>
-                <a:rPr lang="en-US" sz="1200" dirty="0" err="1">
-                  <a:solidFill>
-                    <a:schemeClr val="accent6"/>
-                  </a:solidFill>
-                </a:rPr>
-                <a:t>www.quandl.com</a:t>
-              </a:r>
-              <a:r>
-                <a:rPr lang="en-US" sz="1200" dirty="0">
-                  <a:solidFill>
-                    <a:schemeClr val="accent6"/>
-                  </a:solidFill>
-                </a:rPr>
-                <a:t>/data/FRED-Federal-Reserve-Economic-Data</a:t>
-              </a:r>
-            </a:p>
-          </p:txBody>
-        </p:sp>
-      </p:grpSp>
+          <a:prstGeom prst="rect">
+            <a:avLst/>
+          </a:prstGeom>
+          <a:ln w="28575">
+            <a:solidFill>
+              <a:srgbClr val="346640"/>
+            </a:solidFill>
+          </a:ln>
+        </p:spPr>
+      </p:pic>
+      <p:sp>
+        <p:nvSpPr>
+          <p:cNvPr id="8" name="TextBox 7">
+            <a:extLst>
+              <a:ext uri="{FF2B5EF4-FFF2-40B4-BE49-F238E27FC236}">
+                <a16:creationId xmlns:a16="http://schemas.microsoft.com/office/drawing/2014/main" id="{0672FF86-D2C4-8140-9128-76DBF947C214}"/>
+              </a:ext>
+            </a:extLst>
+          </p:cNvPr>
+          <p:cNvSpPr txBox="1"/>
+          <p:nvPr/>
+        </p:nvSpPr>
+        <p:spPr>
+          <a:xfrm>
+            <a:off x="1296842" y="866194"/>
+            <a:ext cx="6195787" cy="830997"/>
+          </a:xfrm>
+          <a:prstGeom prst="rect">
+            <a:avLst/>
+          </a:prstGeom>
+          <a:noFill/>
+        </p:spPr>
+        <p:txBody>
+          <a:bodyPr wrap="square" rtlCol="0">
+            <a:spAutoFit/>
+          </a:bodyPr>
+          <a:lstStyle/>
+          <a:p>
+            <a:r>
+              <a:rPr lang="en-US" sz="2400" dirty="0">
+                <a:solidFill>
+                  <a:srgbClr val="130355"/>
+                </a:solidFill>
+              </a:rPr>
+              <a:t>COVID Unemployment Rate:</a:t>
+            </a:r>
+          </a:p>
+          <a:p>
+            <a:r>
+              <a:rPr lang="en-US" sz="2400" dirty="0">
+                <a:solidFill>
+                  <a:srgbClr val="130355"/>
+                </a:solidFill>
+              </a:rPr>
+              <a:t>Breakdown by Age Group</a:t>
+            </a:r>
+          </a:p>
+        </p:txBody>
+      </p:sp>
+      <p:sp>
+        <p:nvSpPr>
+          <p:cNvPr id="9" name="TextBox 8">
+            <a:extLst>
+              <a:ext uri="{FF2B5EF4-FFF2-40B4-BE49-F238E27FC236}">
+                <a16:creationId xmlns:a16="http://schemas.microsoft.com/office/drawing/2014/main" id="{06264B2F-1C4C-D647-AA3A-74C736815D5D}"/>
+              </a:ext>
+            </a:extLst>
+          </p:cNvPr>
+          <p:cNvSpPr txBox="1"/>
+          <p:nvPr/>
+        </p:nvSpPr>
+        <p:spPr>
+          <a:xfrm>
+            <a:off x="336886" y="6532873"/>
+            <a:ext cx="8692576" cy="276999"/>
+          </a:xfrm>
+          <a:prstGeom prst="rect">
+            <a:avLst/>
+          </a:prstGeom>
+          <a:noFill/>
+        </p:spPr>
+        <p:txBody>
+          <a:bodyPr wrap="square" rtlCol="0">
+            <a:spAutoFit/>
+          </a:bodyPr>
+          <a:lstStyle/>
+          <a:p>
+            <a:r>
+              <a:rPr lang="en-US" sz="1200" dirty="0">
+                <a:solidFill>
+                  <a:schemeClr val="accent6"/>
+                </a:solidFill>
+              </a:rPr>
+              <a:t>Data from Federal Reserve Economic Data https://</a:t>
+            </a:r>
+            <a:r>
+              <a:rPr lang="en-US" sz="1200" dirty="0" err="1">
+                <a:solidFill>
+                  <a:schemeClr val="accent6"/>
+                </a:solidFill>
+              </a:rPr>
+              <a:t>www.quandl.com</a:t>
+            </a:r>
+            <a:r>
+              <a:rPr lang="en-US" sz="1200" dirty="0">
+                <a:solidFill>
+                  <a:schemeClr val="accent6"/>
+                </a:solidFill>
+              </a:rPr>
+              <a:t>/data/FRED-Federal-Reserve-Economic-Data</a:t>
+            </a:r>
+          </a:p>
+        </p:txBody>
+      </p:sp>
       <p:sp>
         <p:nvSpPr>
           <p:cNvPr id="10" name="TextBox 9">
@@ -7058,8 +7118,8 @@
         </p:nvSpPr>
         <p:spPr>
           <a:xfrm>
-            <a:off x="1228261" y="2043112"/>
-            <a:ext cx="5597081" cy="2031325"/>
+            <a:off x="1342561" y="2043112"/>
+            <a:ext cx="5309699" cy="2585323"/>
           </a:xfrm>
           <a:prstGeom prst="rect">
             <a:avLst/>
@@ -7133,6 +7193,110 @@
               </a:rPr>
               <a:t>People 35 and over had the lowest rates best recovery</a:t>
             </a:r>
+          </a:p>
+        </p:txBody>
+      </p:sp>
+      <p:sp>
+        <p:nvSpPr>
+          <p:cNvPr id="11" name="Rectangle 10">
+            <a:extLst>
+              <a:ext uri="{FF2B5EF4-FFF2-40B4-BE49-F238E27FC236}">
+                <a16:creationId xmlns:a16="http://schemas.microsoft.com/office/drawing/2014/main" id="{889514F7-C9E9-9545-9403-239CD61CB848}"/>
+              </a:ext>
+            </a:extLst>
+          </p:cNvPr>
+          <p:cNvSpPr/>
+          <p:nvPr/>
+        </p:nvSpPr>
+        <p:spPr>
+          <a:xfrm>
+            <a:off x="3622431" y="597878"/>
+            <a:ext cx="5046783" cy="211166"/>
+          </a:xfrm>
+          <a:prstGeom prst="rect">
+            <a:avLst/>
+          </a:prstGeom>
+          <a:solidFill>
+            <a:schemeClr val="tx1"/>
+          </a:solidFill>
+          <a:ln>
+            <a:noFill/>
+          </a:ln>
+        </p:spPr>
+        <p:style>
+          <a:lnRef idx="2">
+            <a:schemeClr val="accent1">
+              <a:shade val="50000"/>
+            </a:schemeClr>
+          </a:lnRef>
+          <a:fillRef idx="1">
+            <a:schemeClr val="accent1"/>
+          </a:fillRef>
+          <a:effectRef idx="0">
+            <a:schemeClr val="accent1"/>
+          </a:effectRef>
+          <a:fontRef idx="minor">
+            <a:schemeClr val="lt1"/>
+          </a:fontRef>
+        </p:style>
+        <p:txBody>
+          <a:bodyPr rtlCol="0" anchor="ctr"/>
+          <a:lstStyle/>
+          <a:p>
+            <a:pPr algn="ctr"/>
+            <a:endParaRPr lang="en-US" dirty="0"/>
+          </a:p>
+        </p:txBody>
+      </p:sp>
+      <p:sp>
+        <p:nvSpPr>
+          <p:cNvPr id="12" name="Rectangle 11">
+            <a:extLst>
+              <a:ext uri="{FF2B5EF4-FFF2-40B4-BE49-F238E27FC236}">
+                <a16:creationId xmlns:a16="http://schemas.microsoft.com/office/drawing/2014/main" id="{3A7B756A-41EF-BA45-95AA-1B694B3EA1AC}"/>
+              </a:ext>
+            </a:extLst>
+          </p:cNvPr>
+          <p:cNvSpPr/>
+          <p:nvPr/>
+        </p:nvSpPr>
+        <p:spPr>
+          <a:xfrm>
+            <a:off x="4009292" y="597878"/>
+            <a:ext cx="4448908" cy="211015"/>
+          </a:xfrm>
+          <a:prstGeom prst="rect">
+            <a:avLst/>
+          </a:prstGeom>
+          <a:solidFill>
+            <a:schemeClr val="tx1"/>
+          </a:solidFill>
+          <a:ln>
+            <a:noFill/>
+          </a:ln>
+        </p:spPr>
+        <p:style>
+          <a:lnRef idx="2">
+            <a:schemeClr val="accent1">
+              <a:shade val="50000"/>
+            </a:schemeClr>
+          </a:lnRef>
+          <a:fillRef idx="1">
+            <a:schemeClr val="accent1"/>
+          </a:fillRef>
+          <a:effectRef idx="0">
+            <a:schemeClr val="accent1"/>
+          </a:effectRef>
+          <a:fontRef idx="minor">
+            <a:schemeClr val="lt1"/>
+          </a:fontRef>
+        </p:style>
+        <p:txBody>
+          <a:bodyPr rtlCol="0" anchor="ctr"/>
+          <a:lstStyle/>
+          <a:p>
+            <a:pPr algn="ctr"/>
+            <a:endParaRPr lang="en-US" dirty="0"/>
           </a:p>
         </p:txBody>
       </p:sp>
@@ -7174,166 +7338,145 @@
           <a:chExt cx="0" cy="0"/>
         </a:xfrm>
       </p:grpSpPr>
-      <p:grpSp>
-        <p:nvGrpSpPr>
-          <p:cNvPr id="4" name="Group 3">
+      <p:pic>
+        <p:nvPicPr>
+          <p:cNvPr id="10" name="Picture 9">
             <a:extLst>
               <a:ext uri="{FF2B5EF4-FFF2-40B4-BE49-F238E27FC236}">
-                <a16:creationId xmlns:a16="http://schemas.microsoft.com/office/drawing/2014/main" id="{505A81D9-D8D8-0843-AD6F-53AAA7C0702D}"/>
+                <a16:creationId xmlns:a16="http://schemas.microsoft.com/office/drawing/2014/main" id="{A4CEAB9F-54DC-004A-93D9-CB050B370C23}"/>
               </a:ext>
             </a:extLst>
           </p:cNvPr>
-          <p:cNvGrpSpPr/>
+          <p:cNvPicPr>
+            <a:picLocks noChangeAspect="1"/>
+          </p:cNvPicPr>
           <p:nvPr/>
-        </p:nvGrpSpPr>
-        <p:grpSpPr>
+        </p:nvPicPr>
+        <p:blipFill>
+          <a:blip r:embed="rId3"/>
+          <a:stretch>
+            <a:fillRect/>
+          </a:stretch>
+        </p:blipFill>
+        <p:spPr>
           <a:xfrm>
-            <a:off x="336886" y="548640"/>
-            <a:ext cx="11617130" cy="6261232"/>
-            <a:chOff x="336886" y="548640"/>
-            <a:chExt cx="11617130" cy="6261232"/>
+            <a:off x="457200" y="548640"/>
+            <a:ext cx="11330578" cy="5943600"/>
           </a:xfrm>
-        </p:grpSpPr>
-        <p:pic>
-          <p:nvPicPr>
-            <p:cNvPr id="3" name="Picture 2">
-              <a:extLst>
-                <a:ext uri="{FF2B5EF4-FFF2-40B4-BE49-F238E27FC236}">
-                  <a16:creationId xmlns:a16="http://schemas.microsoft.com/office/drawing/2014/main" id="{788EDE93-1E01-0C4E-8D29-658A71C44AC3}"/>
-                </a:ext>
-              </a:extLst>
-            </p:cNvPr>
-            <p:cNvPicPr>
-              <a:picLocks noChangeAspect="1"/>
-            </p:cNvPicPr>
-            <p:nvPr/>
-          </p:nvPicPr>
-          <p:blipFill>
-            <a:blip r:embed="rId3"/>
-            <a:stretch>
-              <a:fillRect/>
-            </a:stretch>
-          </p:blipFill>
-          <p:spPr>
-            <a:xfrm>
-              <a:off x="457200" y="548640"/>
-              <a:ext cx="11496816" cy="5943600"/>
-            </a:xfrm>
-            <a:prstGeom prst="rect">
-              <a:avLst/>
-            </a:prstGeom>
-            <a:ln w="28575">
-              <a:solidFill>
-                <a:srgbClr val="346640"/>
-              </a:solidFill>
-            </a:ln>
-          </p:spPr>
-        </p:pic>
-        <p:sp>
-          <p:nvSpPr>
-            <p:cNvPr id="8" name="TextBox 7">
-              <a:extLst>
-                <a:ext uri="{FF2B5EF4-FFF2-40B4-BE49-F238E27FC236}">
-                  <a16:creationId xmlns:a16="http://schemas.microsoft.com/office/drawing/2014/main" id="{0672FF86-D2C4-8140-9128-76DBF947C214}"/>
-                </a:ext>
-              </a:extLst>
-            </p:cNvPr>
-            <p:cNvSpPr txBox="1"/>
-            <p:nvPr/>
-          </p:nvSpPr>
-          <p:spPr>
-            <a:xfrm>
-              <a:off x="1228262" y="809044"/>
-              <a:ext cx="6195787" cy="830997"/>
-            </a:xfrm>
-            <a:prstGeom prst="rect">
-              <a:avLst/>
-            </a:prstGeom>
-            <a:noFill/>
-          </p:spPr>
-          <p:txBody>
-            <a:bodyPr wrap="square" rtlCol="0">
-              <a:spAutoFit/>
-            </a:bodyPr>
-            <a:lstStyle/>
-            <a:p>
-              <a:r>
-                <a:rPr lang="en-US" sz="2400" dirty="0">
-                  <a:solidFill>
-                    <a:srgbClr val="130355"/>
-                  </a:solidFill>
-                </a:rPr>
-                <a:t>COVID Unemployment Rate:</a:t>
-              </a:r>
-            </a:p>
-            <a:p>
-              <a:r>
-                <a:rPr lang="en-US" sz="2400" dirty="0">
-                  <a:solidFill>
-                    <a:srgbClr val="130355"/>
-                  </a:solidFill>
-                </a:rPr>
-                <a:t>Breakdown by Highest Level of Education</a:t>
-              </a:r>
-            </a:p>
-          </p:txBody>
-        </p:sp>
-        <p:sp>
-          <p:nvSpPr>
-            <p:cNvPr id="9" name="TextBox 8">
-              <a:extLst>
-                <a:ext uri="{FF2B5EF4-FFF2-40B4-BE49-F238E27FC236}">
-                  <a16:creationId xmlns:a16="http://schemas.microsoft.com/office/drawing/2014/main" id="{06264B2F-1C4C-D647-AA3A-74C736815D5D}"/>
-                </a:ext>
-              </a:extLst>
-            </p:cNvPr>
-            <p:cNvSpPr txBox="1"/>
-            <p:nvPr/>
-          </p:nvSpPr>
-          <p:spPr>
-            <a:xfrm>
-              <a:off x="336886" y="6532873"/>
-              <a:ext cx="8692576" cy="276999"/>
-            </a:xfrm>
-            <a:prstGeom prst="rect">
-              <a:avLst/>
-            </a:prstGeom>
-            <a:noFill/>
-          </p:spPr>
-          <p:txBody>
-            <a:bodyPr wrap="square" rtlCol="0">
-              <a:spAutoFit/>
-            </a:bodyPr>
-            <a:lstStyle/>
-            <a:p>
-              <a:r>
-                <a:rPr lang="en-US" sz="1200" dirty="0">
-                  <a:solidFill>
-                    <a:schemeClr val="accent6"/>
-                  </a:solidFill>
-                </a:rPr>
-                <a:t>Data from Federal Reserve Economic Data https://</a:t>
-              </a:r>
-              <a:r>
-                <a:rPr lang="en-US" sz="1200" dirty="0" err="1">
-                  <a:solidFill>
-                    <a:schemeClr val="accent6"/>
-                  </a:solidFill>
-                </a:rPr>
-                <a:t>www.quandl.com</a:t>
-              </a:r>
-              <a:r>
-                <a:rPr lang="en-US" sz="1200" dirty="0">
-                  <a:solidFill>
-                    <a:schemeClr val="accent6"/>
-                  </a:solidFill>
-                </a:rPr>
-                <a:t>/data/FRED-Federal-Reserve-Economic-Data</a:t>
-              </a:r>
-            </a:p>
-          </p:txBody>
-        </p:sp>
-      </p:grpSp>
+          <a:prstGeom prst="rect">
+            <a:avLst/>
+          </a:prstGeom>
+          <a:ln w="28575">
+            <a:solidFill>
+              <a:srgbClr val="346640"/>
+            </a:solidFill>
+          </a:ln>
+        </p:spPr>
+      </p:pic>
+      <p:sp>
+        <p:nvSpPr>
+          <p:cNvPr id="8" name="TextBox 7">
+            <a:extLst>
+              <a:ext uri="{FF2B5EF4-FFF2-40B4-BE49-F238E27FC236}">
+                <a16:creationId xmlns:a16="http://schemas.microsoft.com/office/drawing/2014/main" id="{0672FF86-D2C4-8140-9128-76DBF947C214}"/>
+              </a:ext>
+            </a:extLst>
+          </p:cNvPr>
+          <p:cNvSpPr txBox="1"/>
+          <p:nvPr/>
+        </p:nvSpPr>
+        <p:spPr>
+          <a:xfrm>
+            <a:off x="1439282" y="896969"/>
+            <a:ext cx="6195787" cy="830997"/>
+          </a:xfrm>
+          <a:prstGeom prst="rect">
+            <a:avLst/>
+          </a:prstGeom>
+          <a:noFill/>
+        </p:spPr>
+        <p:txBody>
+          <a:bodyPr wrap="square" rtlCol="0">
+            <a:spAutoFit/>
+          </a:bodyPr>
+          <a:lstStyle/>
+          <a:p>
+            <a:r>
+              <a:rPr lang="en-US" sz="2400" dirty="0">
+                <a:solidFill>
+                  <a:srgbClr val="130355"/>
+                </a:solidFill>
+              </a:rPr>
+              <a:t>COVID Unemployment Rate:</a:t>
+            </a:r>
+          </a:p>
+          <a:p>
+            <a:r>
+              <a:rPr lang="en-US" sz="2400" dirty="0">
+                <a:solidFill>
+                  <a:srgbClr val="130355"/>
+                </a:solidFill>
+              </a:rPr>
+              <a:t>Breakdown by Highest Level of Education</a:t>
+            </a:r>
+          </a:p>
+        </p:txBody>
+      </p:sp>
+      <p:sp>
+        <p:nvSpPr>
+          <p:cNvPr id="9" name="TextBox 8">
+            <a:extLst>
+              <a:ext uri="{FF2B5EF4-FFF2-40B4-BE49-F238E27FC236}">
+                <a16:creationId xmlns:a16="http://schemas.microsoft.com/office/drawing/2014/main" id="{06264B2F-1C4C-D647-AA3A-74C736815D5D}"/>
+              </a:ext>
+            </a:extLst>
+          </p:cNvPr>
+          <p:cNvSpPr txBox="1"/>
+          <p:nvPr/>
+        </p:nvSpPr>
+        <p:spPr>
+          <a:xfrm>
+            <a:off x="336886" y="6532873"/>
+            <a:ext cx="8692576" cy="276999"/>
+          </a:xfrm>
+          <a:prstGeom prst="rect">
+            <a:avLst/>
+          </a:prstGeom>
+          <a:noFill/>
+        </p:spPr>
+        <p:txBody>
+          <a:bodyPr wrap="square" rtlCol="0">
+            <a:spAutoFit/>
+          </a:bodyPr>
+          <a:lstStyle/>
+          <a:p>
+            <a:r>
+              <a:rPr lang="en-US" sz="1200" dirty="0">
+                <a:solidFill>
+                  <a:schemeClr val="accent6"/>
+                </a:solidFill>
+              </a:rPr>
+              <a:t>Data from Federal Reserve Economic Data https://</a:t>
+            </a:r>
+            <a:r>
+              <a:rPr lang="en-US" sz="1200" dirty="0" err="1">
+                <a:solidFill>
+                  <a:schemeClr val="accent6"/>
+                </a:solidFill>
+              </a:rPr>
+              <a:t>www.quandl.com</a:t>
+            </a:r>
+            <a:r>
+              <a:rPr lang="en-US" sz="1200" dirty="0">
+                <a:solidFill>
+                  <a:schemeClr val="accent6"/>
+                </a:solidFill>
+              </a:rPr>
+              <a:t>/data/FRED-Federal-Reserve-Economic-Data</a:t>
+            </a:r>
+          </a:p>
+        </p:txBody>
+      </p:sp>
       <p:sp>
         <p:nvSpPr>
           <p:cNvPr id="7" name="TextBox 6">
@@ -7348,8 +7491,8 @@
         </p:nvSpPr>
         <p:spPr>
           <a:xfrm>
-            <a:off x="1228261" y="2043112"/>
-            <a:ext cx="6195787" cy="2308324"/>
+            <a:off x="1456867" y="1920017"/>
+            <a:ext cx="5401134" cy="2585323"/>
           </a:xfrm>
           <a:prstGeom prst="rect">
             <a:avLst/>
@@ -7420,6 +7563,58 @@
                 <a:srgbClr val="130355"/>
               </a:solidFill>
             </a:endParaRPr>
+          </a:p>
+        </p:txBody>
+      </p:sp>
+      <p:sp>
+        <p:nvSpPr>
+          <p:cNvPr id="11" name="Rectangle 10">
+            <a:extLst>
+              <a:ext uri="{FF2B5EF4-FFF2-40B4-BE49-F238E27FC236}">
+                <a16:creationId xmlns:a16="http://schemas.microsoft.com/office/drawing/2014/main" id="{298371AE-3939-8A49-AEE7-A49401964A12}"/>
+              </a:ext>
+            </a:extLst>
+          </p:cNvPr>
+          <p:cNvSpPr/>
+          <p:nvPr/>
+        </p:nvSpPr>
+        <p:spPr>
+          <a:xfrm>
+            <a:off x="3253153" y="597878"/>
+            <a:ext cx="6435969" cy="211166"/>
+          </a:xfrm>
+          <a:prstGeom prst="rect">
+            <a:avLst/>
+          </a:prstGeom>
+          <a:solidFill>
+            <a:schemeClr val="tx1"/>
+          </a:solidFill>
+          <a:ln>
+            <a:noFill/>
+          </a:ln>
+        </p:spPr>
+        <p:style>
+          <a:lnRef idx="2">
+            <a:schemeClr val="accent1">
+              <a:shade val="50000"/>
+            </a:schemeClr>
+          </a:lnRef>
+          <a:fillRef idx="1">
+            <a:schemeClr val="accent1"/>
+          </a:fillRef>
+          <a:effectRef idx="0">
+            <a:schemeClr val="accent1"/>
+          </a:effectRef>
+          <a:fontRef idx="minor">
+            <a:schemeClr val="lt1"/>
+          </a:fontRef>
+        </p:style>
+        <p:txBody>
+          <a:bodyPr rtlCol="0" anchor="ctr"/>
+          <a:lstStyle/>
+          <a:p>
+            <a:pPr algn="ctr"/>
+            <a:endParaRPr lang="en-US" dirty="0"/>
           </a:p>
         </p:txBody>
       </p:sp>

--- a/COVID_Unemployment_Rate.pptx
+++ b/COVID_Unemployment_Rate.pptx
@@ -6069,7 +6069,7 @@
         </p:nvGrpSpPr>
         <p:grpSpPr>
           <a:xfrm>
-            <a:off x="343236" y="548640"/>
+            <a:off x="91776" y="596768"/>
             <a:ext cx="11293592" cy="6261232"/>
             <a:chOff x="343236" y="548640"/>
             <a:chExt cx="11293592" cy="6261232"/>
@@ -6125,9 +6125,9 @@
           <p:grpSpPr>
             <a:xfrm>
               <a:off x="343236" y="972334"/>
-              <a:ext cx="9052951" cy="5837538"/>
+              <a:ext cx="9177954" cy="5837538"/>
               <a:chOff x="343236" y="972334"/>
-              <a:chExt cx="9052951" cy="5837538"/>
+              <a:chExt cx="9177954" cy="5837538"/>
             </a:xfrm>
           </p:grpSpPr>
           <p:sp>
@@ -6145,7 +6145,7 @@
             <p:spPr>
               <a:xfrm>
                 <a:off x="3200400" y="972334"/>
-                <a:ext cx="6195787" cy="461665"/>
+                <a:ext cx="6320790" cy="461665"/>
               </a:xfrm>
               <a:prstGeom prst="rect">
                 <a:avLst/>
@@ -6164,7 +6164,7 @@
                       <a:srgbClr val="130355"/>
                     </a:solidFill>
                   </a:rPr>
-                  <a:t>Unemployment Rate: January 1973- March 2021</a:t>
+                  <a:t>Unemployment Rate: January 1948 - March 2021</a:t>
                 </a:r>
               </a:p>
             </p:txBody>
